--- a/slides/Datapalooza 2 - DataVizStage - 20240103 - Visualización datos con Shiny.pptx
+++ b/slides/Datapalooza 2 - DataVizStage - 20240103 - Visualización datos con Shiny.pptx
@@ -6055,9 +6055,26 @@
                   <a:srgbClr val="000000"/>
                 </a:solidFill>
                 <a:latin typeface="Fira Sans" panose="020B0503050000020004" pitchFamily="34" charset="0"/>
-              </a:rPr>
-              <a:t>https://jbkunst.shinyapps.io/cegir-smartdata-dashboard/</a:t>
-            </a:r>
+                <a:hlinkClick r:id="rId6"/>
+              </a:rPr>
+              <a:t>https://jbkunst.shinyapps.io/</a:t>
+            </a:r>
+            <a:r>
+              <a:rPr lang="es-ES" sz="2000">
+                <a:solidFill>
+                  <a:srgbClr val="000000"/>
+                </a:solidFill>
+                <a:latin typeface="Fira Sans" panose="020B0503050000020004" pitchFamily="34" charset="0"/>
+                <a:hlinkClick r:id="rId6"/>
+              </a:rPr>
+              <a:t>cegir-smartdata-dashboard/</a:t>
+            </a:r>
+            <a:endParaRPr lang="es-ES" sz="2000" dirty="0">
+              <a:solidFill>
+                <a:srgbClr val="000000"/>
+              </a:solidFill>
+              <a:latin typeface="Fira Sans" panose="020B0503050000020004" pitchFamily="34" charset="0"/>
+            </a:endParaRPr>
           </a:p>
           <a:p>
             <a:pPr marL="342900" indent="-342900">
@@ -6131,7 +6148,7 @@
           <p:nvPr/>
         </p:nvPicPr>
         <p:blipFill>
-          <a:blip r:embed="rId6"/>
+          <a:blip r:embed="rId7"/>
           <a:stretch>
             <a:fillRect/>
           </a:stretch>
@@ -6168,7 +6185,7 @@
           <p:nvPr/>
         </p:nvPicPr>
         <p:blipFill>
-          <a:blip r:embed="rId7"/>
+          <a:blip r:embed="rId8"/>
           <a:stretch>
             <a:fillRect/>
           </a:stretch>
@@ -37360,7 +37377,7 @@
         <p:spPr>
           <a:xfrm>
             <a:off x="1981200" y="1725065"/>
-            <a:ext cx="7992148" cy="4101123"/>
+            <a:ext cx="7992148" cy="5024452"/>
           </a:xfrm>
           <a:prstGeom prst="rect">
             <a:avLst/>
@@ -37412,7 +37429,23 @@
                 <a:ea typeface="Source Sans Pro" panose="020B0503030403020204" pitchFamily="34" charset="0"/>
                 <a:cs typeface="Fira Code" pitchFamily="1" charset="0"/>
               </a:rPr>
-              <a:t>Agregar estilos (por ejemplo, corporativos) a una aplicación y que los gráficos expresen el mismo lenguaje visual.</a:t>
+              <a:t>Agregar estilos (por ejemplo, corporativos) a una aplicación y que los gráficos expresen el mismo lenguaje visual. Paquete </a:t>
+            </a:r>
+            <a:r>
+              <a:rPr lang="es-ES" sz="2000" dirty="0" err="1">
+                <a:latin typeface="Source Sans Pro" panose="020B0503030403020204" pitchFamily="34" charset="0"/>
+                <a:ea typeface="Source Sans Pro" panose="020B0503030403020204" pitchFamily="34" charset="0"/>
+                <a:cs typeface="Fira Code" pitchFamily="1" charset="0"/>
+              </a:rPr>
+              <a:t>bslib</a:t>
+            </a:r>
+            <a:r>
+              <a:rPr lang="es-ES" sz="2000" dirty="0">
+                <a:latin typeface="Source Sans Pro" panose="020B0503030403020204" pitchFamily="34" charset="0"/>
+                <a:ea typeface="Source Sans Pro" panose="020B0503030403020204" pitchFamily="34" charset="0"/>
+                <a:cs typeface="Fira Code" pitchFamily="1" charset="0"/>
+              </a:rPr>
+              <a:t>!</a:t>
             </a:r>
           </a:p>
           <a:p>
@@ -37423,14 +37456,11 @@
               <a:buFont typeface="+mj-lt"/>
               <a:buAutoNum type="arabicPeriod"/>
             </a:pPr>
-            <a:r>
-              <a:rPr lang="es-ES" sz="2000" dirty="0">
-                <a:latin typeface="Source Sans Pro" panose="020B0503030403020204" pitchFamily="34" charset="0"/>
-                <a:ea typeface="Source Sans Pro" panose="020B0503030403020204" pitchFamily="34" charset="0"/>
-                <a:cs typeface="Fira Code" pitchFamily="1" charset="0"/>
-              </a:rPr>
-              <a:t>Optimizar respuesta de la aplicación, en términos de tiempos y procesos.</a:t>
-            </a:r>
+            <a:endParaRPr lang="es-ES" sz="2000" dirty="0">
+              <a:latin typeface="Source Sans Pro" panose="020B0503030403020204" pitchFamily="34" charset="0"/>
+              <a:ea typeface="Source Sans Pro" panose="020B0503030403020204" pitchFamily="34" charset="0"/>
+              <a:cs typeface="Fira Code" pitchFamily="1" charset="0"/>
+            </a:endParaRPr>
           </a:p>
           <a:p>
             <a:pPr marL="342900" indent="-342900">
@@ -37446,7 +37476,54 @@
                 <a:ea typeface="Source Sans Pro" panose="020B0503030403020204" pitchFamily="34" charset="0"/>
                 <a:cs typeface="Fira Code" pitchFamily="1" charset="0"/>
               </a:rPr>
-              <a:t>¡Hacer tu aplicación todavía más interactiva!</a:t>
+              <a:t>Optimizar respuesta de la aplicación, en términos de tiempos y procesos. Reactividad avanzada, </a:t>
+            </a:r>
+            <a:r>
+              <a:rPr lang="es-ES" sz="2000" dirty="0" err="1">
+                <a:latin typeface="Source Sans Pro" panose="020B0503030403020204" pitchFamily="34" charset="0"/>
+                <a:ea typeface="Source Sans Pro" panose="020B0503030403020204" pitchFamily="34" charset="0"/>
+                <a:cs typeface="Fira Code" pitchFamily="1" charset="0"/>
+              </a:rPr>
+              <a:t>observers</a:t>
+            </a:r>
+            <a:r>
+              <a:rPr lang="es-ES" sz="2000" dirty="0">
+                <a:latin typeface="Source Sans Pro" panose="020B0503030403020204" pitchFamily="34" charset="0"/>
+                <a:ea typeface="Source Sans Pro" panose="020B0503030403020204" pitchFamily="34" charset="0"/>
+                <a:cs typeface="Fira Code" pitchFamily="1" charset="0"/>
+              </a:rPr>
+              <a:t>, eventos, caché.</a:t>
+            </a:r>
+          </a:p>
+          <a:p>
+            <a:pPr marL="342900" indent="-342900">
+              <a:spcAft>
+                <a:spcPts val="1200"/>
+              </a:spcAft>
+              <a:buFont typeface="+mj-lt"/>
+              <a:buAutoNum type="arabicPeriod"/>
+            </a:pPr>
+            <a:endParaRPr lang="es-ES" sz="2000" dirty="0">
+              <a:latin typeface="Source Sans Pro" panose="020B0503030403020204" pitchFamily="34" charset="0"/>
+              <a:ea typeface="Source Sans Pro" panose="020B0503030403020204" pitchFamily="34" charset="0"/>
+              <a:cs typeface="Fira Code" pitchFamily="1" charset="0"/>
+            </a:endParaRPr>
+          </a:p>
+          <a:p>
+            <a:pPr marL="342900" indent="-342900">
+              <a:spcAft>
+                <a:spcPts val="1200"/>
+              </a:spcAft>
+              <a:buFont typeface="+mj-lt"/>
+              <a:buAutoNum type="arabicPeriod"/>
+            </a:pPr>
+            <a:r>
+              <a:rPr lang="es-ES" sz="2000" dirty="0">
+                <a:latin typeface="Source Sans Pro" panose="020B0503030403020204" pitchFamily="34" charset="0"/>
+                <a:ea typeface="Source Sans Pro" panose="020B0503030403020204" pitchFamily="34" charset="0"/>
+                <a:cs typeface="Fira Code" pitchFamily="1" charset="0"/>
+              </a:rPr>
+              <a:t>¡Hacer tu aplicación todavía más interactiva! </a:t>
             </a:r>
           </a:p>
           <a:p>

--- a/slides/Datapalooza 2 - DataVizStage - 20240103 - Visualización datos con Shiny.pptx
+++ b/slides/Datapalooza 2 - DataVizStage - 20240103 - Visualización datos con Shiny.pptx
@@ -33149,7 +33149,7 @@
         <p:spPr>
           <a:xfrm>
             <a:off x="1065402" y="2280066"/>
-            <a:ext cx="10766933" cy="2967607"/>
+            <a:ext cx="10766933" cy="2352054"/>
           </a:xfrm>
           <a:prstGeom prst="rect">
             <a:avLst/>
@@ -33386,7 +33386,7 @@
               </a:spcAft>
             </a:pPr>
             <a:r>
-              <a:rPr kumimoji="0" lang="es-CL" sz="2000" b="0" i="0" u="none" strike="noStrike" kern="1200" cap="none" spc="0" normalizeH="0" baseline="0" noProof="0" dirty="0">
+              <a:rPr kumimoji="0" lang="es-CL" sz="2000" b="0" i="0" u="none" strike="noStrike" kern="1200" cap="none" spc="0" normalizeH="0" baseline="0" noProof="0">
                 <a:ln>
                   <a:noFill/>
                 </a:ln>
@@ -33399,45 +33399,11 @@
                 <a:latin typeface="Source Sans Pro" panose="020B0503030403020204" pitchFamily="34" charset="0"/>
                 <a:ea typeface="Source Sans Pro" panose="020B0503030403020204" pitchFamily="34" charset="0"/>
                 <a:cs typeface="+mn-cs"/>
-                <a:hlinkClick r:id="rId4"/>
-              </a:rPr>
-              <a:t>https://posit.cloud/content/7353539</a:t>
-            </a:r>
-            <a:endParaRPr kumimoji="0" lang="es-CL" sz="2000" b="0" i="0" u="none" strike="noStrike" kern="1200" cap="none" spc="0" normalizeH="0" baseline="0" noProof="0" dirty="0">
-              <a:ln>
-                <a:noFill/>
-              </a:ln>
-              <a:solidFill>
-                <a:prstClr val="black"/>
-              </a:solidFill>
-              <a:effectLst/>
-              <a:uLnTx/>
-              <a:uFillTx/>
-              <a:latin typeface="Source Sans Pro" panose="020B0503030403020204" pitchFamily="34" charset="0"/>
-              <a:ea typeface="Source Sans Pro" panose="020B0503030403020204" pitchFamily="34" charset="0"/>
-              <a:cs typeface="+mn-cs"/>
-            </a:endParaRPr>
-          </a:p>
-          <a:p>
-            <a:pPr marL="0" marR="0" lvl="0" indent="0" algn="l" defTabSz="914400" rtl="0" eaLnBrk="1" fontAlgn="auto" latinLnBrk="0" hangingPunct="1">
-              <a:lnSpc>
-                <a:spcPct val="150000"/>
-              </a:lnSpc>
-              <a:spcBef>
-                <a:spcPts val="0"/>
-              </a:spcBef>
-              <a:spcAft>
-                <a:spcPts val="1200"/>
-              </a:spcAft>
-              <a:buClrTx/>
-              <a:buSzTx/>
-              <a:buFontTx/>
-              <a:buNone/>
-              <a:tabLst/>
-              <a:defRPr/>
-            </a:pPr>
-            <a:r>
-              <a:rPr lang="es-ES" sz="2000" dirty="0">
+              </a:rPr>
+              <a:t>https://posit.cloud/content/7353602</a:t>
+            </a:r>
+            <a:r>
+              <a:rPr lang="es-ES" sz="2000">
                 <a:solidFill>
                   <a:prstClr val="black"/>
                 </a:solidFill>

--- a/slides/Datapalooza 2 - DataVizStage - 20240103 - Visualización datos con Shiny.pptx
+++ b/slides/Datapalooza 2 - DataVizStage - 20240103 - Visualización datos con Shiny.pptx
@@ -33401,16 +33401,6 @@
                 <a:cs typeface="+mn-cs"/>
               </a:rPr>
               <a:t>https://posit.cloud/content/7353602</a:t>
-            </a:r>
-            <a:r>
-              <a:rPr lang="es-ES" sz="2000">
-                <a:solidFill>
-                  <a:prstClr val="black"/>
-                </a:solidFill>
-                <a:latin typeface="Source Sans Pro" panose="020B0503030403020204" pitchFamily="34" charset="0"/>
-                <a:ea typeface="Source Sans Pro" panose="020B0503030403020204" pitchFamily="34" charset="0"/>
-              </a:rPr>
-              <a:t> </a:t>
             </a:r>
             <a:endParaRPr kumimoji="0" lang="es-CL" sz="200" b="1" i="0" u="none" strike="noStrike" kern="1200" cap="none" spc="0" normalizeH="0" baseline="0" noProof="0" dirty="0">
               <a:ln>
